--- a/images/visual-identity/logo/logo.pptx
+++ b/images/visual-identity/logo/logo.pptx
@@ -244,7 +244,7 @@
           <a:p>
             <a:fld id="{8C5F967E-F0E0-4605-956C-7240659F25E5}" type="datetimeFigureOut">
               <a:rPr lang="en-US" smtClean="0"/>
-              <a:t>6/3/2019</a:t>
+              <a:t>6/4/2019</a:t>
             </a:fld>
             <a:endParaRPr lang="en-US"/>
           </a:p>
@@ -414,7 +414,7 @@
           <a:p>
             <a:fld id="{8C5F967E-F0E0-4605-956C-7240659F25E5}" type="datetimeFigureOut">
               <a:rPr lang="en-US" smtClean="0"/>
-              <a:t>6/3/2019</a:t>
+              <a:t>6/4/2019</a:t>
             </a:fld>
             <a:endParaRPr lang="en-US"/>
           </a:p>
@@ -594,7 +594,7 @@
           <a:p>
             <a:fld id="{8C5F967E-F0E0-4605-956C-7240659F25E5}" type="datetimeFigureOut">
               <a:rPr lang="en-US" smtClean="0"/>
-              <a:t>6/3/2019</a:t>
+              <a:t>6/4/2019</a:t>
             </a:fld>
             <a:endParaRPr lang="en-US"/>
           </a:p>
@@ -764,7 +764,7 @@
           <a:p>
             <a:fld id="{8C5F967E-F0E0-4605-956C-7240659F25E5}" type="datetimeFigureOut">
               <a:rPr lang="en-US" smtClean="0"/>
-              <a:t>6/3/2019</a:t>
+              <a:t>6/4/2019</a:t>
             </a:fld>
             <a:endParaRPr lang="en-US"/>
           </a:p>
@@ -1010,7 +1010,7 @@
           <a:p>
             <a:fld id="{8C5F967E-F0E0-4605-956C-7240659F25E5}" type="datetimeFigureOut">
               <a:rPr lang="en-US" smtClean="0"/>
-              <a:t>6/3/2019</a:t>
+              <a:t>6/4/2019</a:t>
             </a:fld>
             <a:endParaRPr lang="en-US"/>
           </a:p>
@@ -1242,7 +1242,7 @@
           <a:p>
             <a:fld id="{8C5F967E-F0E0-4605-956C-7240659F25E5}" type="datetimeFigureOut">
               <a:rPr lang="en-US" smtClean="0"/>
-              <a:t>6/3/2019</a:t>
+              <a:t>6/4/2019</a:t>
             </a:fld>
             <a:endParaRPr lang="en-US"/>
           </a:p>
@@ -1609,7 +1609,7 @@
           <a:p>
             <a:fld id="{8C5F967E-F0E0-4605-956C-7240659F25E5}" type="datetimeFigureOut">
               <a:rPr lang="en-US" smtClean="0"/>
-              <a:t>6/3/2019</a:t>
+              <a:t>6/4/2019</a:t>
             </a:fld>
             <a:endParaRPr lang="en-US"/>
           </a:p>
@@ -1727,7 +1727,7 @@
           <a:p>
             <a:fld id="{8C5F967E-F0E0-4605-956C-7240659F25E5}" type="datetimeFigureOut">
               <a:rPr lang="en-US" smtClean="0"/>
-              <a:t>6/3/2019</a:t>
+              <a:t>6/4/2019</a:t>
             </a:fld>
             <a:endParaRPr lang="en-US"/>
           </a:p>
@@ -1822,7 +1822,7 @@
           <a:p>
             <a:fld id="{8C5F967E-F0E0-4605-956C-7240659F25E5}" type="datetimeFigureOut">
               <a:rPr lang="en-US" smtClean="0"/>
-              <a:t>6/3/2019</a:t>
+              <a:t>6/4/2019</a:t>
             </a:fld>
             <a:endParaRPr lang="en-US"/>
           </a:p>
@@ -2099,7 +2099,7 @@
           <a:p>
             <a:fld id="{8C5F967E-F0E0-4605-956C-7240659F25E5}" type="datetimeFigureOut">
               <a:rPr lang="en-US" smtClean="0"/>
-              <a:t>6/3/2019</a:t>
+              <a:t>6/4/2019</a:t>
             </a:fld>
             <a:endParaRPr lang="en-US"/>
           </a:p>
@@ -2352,7 +2352,7 @@
           <a:p>
             <a:fld id="{8C5F967E-F0E0-4605-956C-7240659F25E5}" type="datetimeFigureOut">
               <a:rPr lang="en-US" smtClean="0"/>
-              <a:t>6/3/2019</a:t>
+              <a:t>6/4/2019</a:t>
             </a:fld>
             <a:endParaRPr lang="en-US"/>
           </a:p>
@@ -2565,7 +2565,7 @@
           <a:p>
             <a:fld id="{8C5F967E-F0E0-4605-956C-7240659F25E5}" type="datetimeFigureOut">
               <a:rPr lang="en-US" smtClean="0"/>
-              <a:t>6/3/2019</a:t>
+              <a:t>6/4/2019</a:t>
             </a:fld>
             <a:endParaRPr lang="en-US"/>
           </a:p>
@@ -2978,7 +2978,7 @@
         </p:nvSpPr>
         <p:spPr>
           <a:xfrm>
-            <a:off x="5528503" y="1346990"/>
+            <a:off x="5528503" y="964216"/>
             <a:ext cx="3020379" cy="1200329"/>
           </a:xfrm>
           <a:prstGeom prst="rect">
@@ -3022,7 +3022,7 @@
         </p:nvSpPr>
         <p:spPr>
           <a:xfrm>
-            <a:off x="5613567" y="2469369"/>
+            <a:off x="5613567" y="2086595"/>
             <a:ext cx="1845377" cy="369332"/>
           </a:xfrm>
           <a:prstGeom prst="rect">
@@ -3066,7 +3066,7 @@
         </p:nvSpPr>
         <p:spPr>
           <a:xfrm>
-            <a:off x="7259181" y="1111920"/>
+            <a:off x="7259181" y="729146"/>
             <a:ext cx="1034257" cy="1446550"/>
           </a:xfrm>
           <a:prstGeom prst="rect">
@@ -3110,7 +3110,7 @@
         </p:nvSpPr>
         <p:spPr>
           <a:xfrm>
-            <a:off x="3829127" y="1254774"/>
+            <a:off x="3829127" y="872000"/>
             <a:ext cx="1743740" cy="1743740"/>
           </a:xfrm>
           <a:prstGeom prst="ellipse">
@@ -3156,7 +3156,7 @@
         </p:nvGrpSpPr>
         <p:grpSpPr>
           <a:xfrm>
-            <a:off x="4146493" y="1541592"/>
+            <a:off x="4146493" y="1158818"/>
             <a:ext cx="1144222" cy="924782"/>
             <a:chOff x="2743199" y="133350"/>
             <a:chExt cx="6953251" cy="5619749"/>
@@ -3768,7 +3768,7 @@
         </p:nvSpPr>
         <p:spPr>
           <a:xfrm>
-            <a:off x="4498235" y="2350285"/>
+            <a:off x="4498235" y="1967511"/>
             <a:ext cx="494046" cy="584775"/>
           </a:xfrm>
           <a:prstGeom prst="rect">
@@ -3812,7 +3812,7 @@
         </p:nvSpPr>
         <p:spPr>
           <a:xfrm>
-            <a:off x="5528503" y="3410240"/>
+            <a:off x="5528503" y="3856810"/>
             <a:ext cx="3020379" cy="1200329"/>
           </a:xfrm>
           <a:prstGeom prst="rect">
@@ -3850,7 +3850,7 @@
         </p:nvSpPr>
         <p:spPr>
           <a:xfrm>
-            <a:off x="5613567" y="4532619"/>
+            <a:off x="5613567" y="4979189"/>
             <a:ext cx="1845377" cy="369332"/>
           </a:xfrm>
           <a:prstGeom prst="rect">
@@ -3888,7 +3888,7 @@
         </p:nvSpPr>
         <p:spPr>
           <a:xfrm>
-            <a:off x="7259181" y="3175170"/>
+            <a:off x="7259181" y="3621740"/>
             <a:ext cx="1034257" cy="1446550"/>
           </a:xfrm>
           <a:prstGeom prst="rect">
@@ -3926,7 +3926,7 @@
         </p:nvSpPr>
         <p:spPr>
           <a:xfrm>
-            <a:off x="3835820" y="3318024"/>
+            <a:off x="3835820" y="3764594"/>
             <a:ext cx="1743740" cy="1743740"/>
           </a:xfrm>
           <a:prstGeom prst="ellipse">
@@ -3974,7 +3974,7 @@
         </p:nvGrpSpPr>
         <p:grpSpPr>
           <a:xfrm>
-            <a:off x="4153186" y="3604842"/>
+            <a:off x="4153186" y="4051412"/>
             <a:ext cx="1144222" cy="924782"/>
             <a:chOff x="2743199" y="133350"/>
             <a:chExt cx="6953251" cy="5619749"/>
@@ -4586,7 +4586,7 @@
         </p:nvSpPr>
         <p:spPr>
           <a:xfrm>
-            <a:off x="4488843" y="4428070"/>
+            <a:off x="4488843" y="4874640"/>
             <a:ext cx="494046" cy="584775"/>
           </a:xfrm>
           <a:prstGeom prst="rect">
